--- a/презентация.pptx
+++ b/презентация.pptx
@@ -8,6 +8,7 @@
     <p:sldId id="256" r:id="rId2"/>
     <p:sldId id="257" r:id="rId3"/>
     <p:sldId id="258" r:id="rId4"/>
+    <p:sldId id="259" r:id="rId5"/>
   </p:sldIdLst>
   <p:sldSz cx="12192000" cy="6858000"/>
   <p:notesSz cx="6858000" cy="9144000"/>
@@ -106,6 +107,11 @@
       </a:defRPr>
     </a:lvl9pPr>
   </p:defaultTextStyle>
+  <p:extLst>
+    <p:ext uri="{EFAFB233-063F-42B5-8137-9DF3F51BA10A}">
+      <p15:sldGuideLst xmlns:p15="http://schemas.microsoft.com/office/powerpoint/2012/main"/>
+    </p:ext>
+  </p:extLst>
 </p:presentation>
 </file>
 
@@ -272,7 +278,7 @@
           <a:p>
             <a:fld id="{C3432523-4F14-454B-A300-BDEAB76051EC}" type="datetimeFigureOut">
               <a:rPr lang="ru-RU" smtClean="0"/>
-              <a:t>27.02.2019</a:t>
+              <a:t>17.03.2019</a:t>
             </a:fld>
             <a:endParaRPr lang="ru-RU"/>
           </a:p>
@@ -418,7 +424,7 @@
           <a:p>
             <a:fld id="{C3432523-4F14-454B-A300-BDEAB76051EC}" type="datetimeFigureOut">
               <a:rPr lang="ru-RU" smtClean="0"/>
-              <a:t>27.02.2019</a:t>
+              <a:t>17.03.2019</a:t>
             </a:fld>
             <a:endParaRPr lang="ru-RU"/>
           </a:p>
@@ -574,7 +580,7 @@
           <a:p>
             <a:fld id="{C3432523-4F14-454B-A300-BDEAB76051EC}" type="datetimeFigureOut">
               <a:rPr lang="ru-RU" smtClean="0"/>
-              <a:t>27.02.2019</a:t>
+              <a:t>17.03.2019</a:t>
             </a:fld>
             <a:endParaRPr lang="ru-RU"/>
           </a:p>
@@ -720,7 +726,7 @@
           <a:p>
             <a:fld id="{C3432523-4F14-454B-A300-BDEAB76051EC}" type="datetimeFigureOut">
               <a:rPr lang="ru-RU" smtClean="0"/>
-              <a:t>27.02.2019</a:t>
+              <a:t>17.03.2019</a:t>
             </a:fld>
             <a:endParaRPr lang="ru-RU"/>
           </a:p>
@@ -993,7 +999,7 @@
           <a:p>
             <a:fld id="{C3432523-4F14-454B-A300-BDEAB76051EC}" type="datetimeFigureOut">
               <a:rPr lang="ru-RU" smtClean="0"/>
-              <a:t>27.02.2019</a:t>
+              <a:t>17.03.2019</a:t>
             </a:fld>
             <a:endParaRPr lang="ru-RU"/>
           </a:p>
@@ -1177,7 +1183,7 @@
           <a:p>
             <a:fld id="{C3432523-4F14-454B-A300-BDEAB76051EC}" type="datetimeFigureOut">
               <a:rPr lang="ru-RU" smtClean="0"/>
-              <a:t>27.02.2019</a:t>
+              <a:t>17.03.2019</a:t>
             </a:fld>
             <a:endParaRPr lang="ru-RU"/>
           </a:p>
@@ -1498,7 +1504,7 @@
           <a:p>
             <a:fld id="{C3432523-4F14-454B-A300-BDEAB76051EC}" type="datetimeFigureOut">
               <a:rPr lang="ru-RU" smtClean="0"/>
-              <a:t>27.02.2019</a:t>
+              <a:t>17.03.2019</a:t>
             </a:fld>
             <a:endParaRPr lang="ru-RU"/>
           </a:p>
@@ -1639,7 +1645,7 @@
           <a:p>
             <a:fld id="{C3432523-4F14-454B-A300-BDEAB76051EC}" type="datetimeFigureOut">
               <a:rPr lang="ru-RU" smtClean="0"/>
-              <a:t>27.02.2019</a:t>
+              <a:t>17.03.2019</a:t>
             </a:fld>
             <a:endParaRPr lang="ru-RU"/>
           </a:p>
@@ -1734,7 +1740,7 @@
           <a:p>
             <a:fld id="{C3432523-4F14-454B-A300-BDEAB76051EC}" type="datetimeFigureOut">
               <a:rPr lang="ru-RU" smtClean="0"/>
-              <a:t>27.02.2019</a:t>
+              <a:t>17.03.2019</a:t>
             </a:fld>
             <a:endParaRPr lang="ru-RU"/>
           </a:p>
@@ -2072,7 +2078,7 @@
           <a:p>
             <a:fld id="{C3432523-4F14-454B-A300-BDEAB76051EC}" type="datetimeFigureOut">
               <a:rPr lang="ru-RU" smtClean="0"/>
-              <a:t>27.02.2019</a:t>
+              <a:t>17.03.2019</a:t>
             </a:fld>
             <a:endParaRPr lang="ru-RU"/>
           </a:p>
@@ -2434,7 +2440,7 @@
           <a:p>
             <a:fld id="{C3432523-4F14-454B-A300-BDEAB76051EC}" type="datetimeFigureOut">
               <a:rPr lang="ru-RU" smtClean="0"/>
-              <a:t>27.02.2019</a:t>
+              <a:t>17.03.2019</a:t>
             </a:fld>
             <a:endParaRPr lang="ru-RU"/>
           </a:p>
@@ -2675,7 +2681,7 @@
           <a:p>
             <a:fld id="{C3432523-4F14-454B-A300-BDEAB76051EC}" type="datetimeFigureOut">
               <a:rPr lang="ru-RU" smtClean="0"/>
-              <a:t>27.02.2019</a:t>
+              <a:t>17.03.2019</a:t>
             </a:fld>
             <a:endParaRPr lang="ru-RU"/>
           </a:p>
@@ -3279,38 +3285,50 @@
         </p:spPr>
         <p:txBody>
           <a:bodyPr>
-            <a:normAutofit/>
+            <a:normAutofit lnSpcReduction="10000"/>
           </a:bodyPr>
           <a:lstStyle/>
+          <a:p>
+            <a:pPr lvl="0"/>
+            <a:r>
+              <a:rPr lang="ru-RU" sz="2400" dirty="0"/>
+              <a:t>для победы необходимо разбить все кирпичи</a:t>
+            </a:r>
+          </a:p>
+          <a:p>
+            <a:pPr lvl="0"/>
+            <a:r>
+              <a:rPr lang="ru-RU" sz="2400" dirty="0"/>
+              <a:t>кирпичи обладают разной прочностью (в зависимости от цвета)</a:t>
+            </a:r>
+          </a:p>
+          <a:p>
+            <a:pPr lvl="0"/>
+            <a:r>
+              <a:rPr lang="ru-RU" sz="2400" dirty="0"/>
+              <a:t>отбивайте шарик ракеткой</a:t>
+            </a:r>
+          </a:p>
+          <a:p>
+            <a:pPr lvl="0"/>
+            <a:r>
+              <a:rPr lang="ru-RU" sz="2400" dirty="0"/>
+              <a:t>управление ракеткой осуществляется клавишами навигации</a:t>
+            </a:r>
+          </a:p>
+          <a:p>
+            <a:pPr lvl="0"/>
+            <a:r>
+              <a:rPr lang="ru-RU" sz="2400" dirty="0"/>
+              <a:t>вы проиграли, если шарик упал вниз за пределы поля</a:t>
+            </a:r>
+          </a:p>
           <a:p>
             <a:pPr>
               <a:buFont typeface="Courier New" panose="02070309020205020404" pitchFamily="49" charset="0"/>
               <a:buChar char="o"/>
             </a:pPr>
-            <a:r>
-              <a:rPr lang="ru-RU" sz="2400" dirty="0"/>
-              <a:t>Для победы необходимо разбить все кирпичики</a:t>
-            </a:r>
-          </a:p>
-          <a:p>
-            <a:pPr>
-              <a:buFont typeface="Courier New" panose="02070309020205020404" pitchFamily="49" charset="0"/>
-              <a:buChar char="o"/>
-            </a:pPr>
-            <a:r>
-              <a:rPr lang="ru-RU" sz="2400" dirty="0"/>
-              <a:t>Шарик можно отбивать ракеткой</a:t>
-            </a:r>
-          </a:p>
-          <a:p>
-            <a:pPr>
-              <a:buFont typeface="Courier New" panose="02070309020205020404" pitchFamily="49" charset="0"/>
-              <a:buChar char="o"/>
-            </a:pPr>
-            <a:r>
-              <a:rPr lang="ru-RU" sz="2400" dirty="0"/>
-              <a:t>Вы проиграли, если шарик упал вниз</a:t>
-            </a:r>
+            <a:endParaRPr lang="ru-RU" sz="2400" dirty="0"/>
           </a:p>
         </p:txBody>
       </p:sp>
@@ -3360,7 +3378,12 @@
             <p:ph type="title"/>
           </p:nvPr>
         </p:nvSpPr>
-        <p:spPr/>
+        <p:spPr>
+          <a:xfrm>
+            <a:off x="2231136" y="260357"/>
+            <a:ext cx="7729728" cy="1188720"/>
+          </a:xfrm>
+        </p:spPr>
         <p:txBody>
           <a:bodyPr/>
           <a:lstStyle/>
@@ -3388,13 +3411,21 @@
             <p:ph idx="1"/>
           </p:nvPr>
         </p:nvSpPr>
-        <p:spPr/>
+        <p:spPr>
+          <a:xfrm>
+            <a:off x="2231136" y="1770353"/>
+            <a:ext cx="8441725" cy="5087647"/>
+          </a:xfrm>
+        </p:spPr>
         <p:txBody>
           <a:bodyPr>
-            <a:normAutofit/>
+            <a:normAutofit fontScale="92500" lnSpcReduction="20000"/>
           </a:bodyPr>
           <a:lstStyle/>
           <a:p>
+            <a:pPr marL="0" indent="0">
+              <a:buNone/>
+            </a:pPr>
             <a:r>
               <a:rPr lang="ru-RU" sz="2400" dirty="0"/>
               <a:t>Классы</a:t>
@@ -3411,8 +3442,43 @@
               <a:rPr lang="en-US" sz="2400" dirty="0"/>
               <a:t>Brick, Ball, Paddle</a:t>
             </a:r>
-          </a:p>
-          <a:p>
+            <a:endParaRPr lang="ru-RU" sz="2400" dirty="0"/>
+          </a:p>
+          <a:p>
+            <a:r>
+              <a:rPr lang="en-US" sz="2400" dirty="0"/>
+              <a:t>Brick – </a:t>
+            </a:r>
+            <a:r>
+              <a:rPr lang="ru-RU" sz="2400" dirty="0"/>
+              <a:t>кирпичики</a:t>
+            </a:r>
+          </a:p>
+          <a:p>
+            <a:r>
+              <a:rPr lang="en-US" sz="2400" dirty="0"/>
+              <a:t>Ball – </a:t>
+            </a:r>
+            <a:r>
+              <a:rPr lang="ru-RU" sz="2400" dirty="0"/>
+              <a:t>мячик</a:t>
+            </a:r>
+          </a:p>
+          <a:p>
+            <a:r>
+              <a:rPr lang="en-US" sz="2400" dirty="0"/>
+              <a:t>Paddle - </a:t>
+            </a:r>
+            <a:r>
+              <a:rPr lang="ru-RU" sz="2400" dirty="0"/>
+              <a:t>ракетка</a:t>
+            </a:r>
+            <a:endParaRPr lang="en-US" sz="2400" dirty="0"/>
+          </a:p>
+          <a:p>
+            <a:pPr marL="0" indent="0">
+              <a:buNone/>
+            </a:pPr>
             <a:r>
               <a:rPr lang="ru-RU" sz="2400" dirty="0"/>
               <a:t>Функции</a:t>
@@ -3421,19 +3487,88 @@
               <a:rPr lang="en-US" sz="2400" dirty="0"/>
               <a:t>:</a:t>
             </a:r>
+          </a:p>
+          <a:p>
+            <a:r>
+              <a:rPr lang="en-US" sz="2400" dirty="0" err="1"/>
+              <a:t>screen_saver</a:t>
+            </a:r>
+            <a:r>
+              <a:rPr lang="en-US" sz="2400" dirty="0"/>
+              <a:t>() –</a:t>
+            </a:r>
             <a:r>
               <a:rPr lang="ru-RU" sz="2400" dirty="0"/>
-              <a:t> </a:t>
-            </a:r>
+              <a:t> заставка</a:t>
+            </a:r>
+          </a:p>
+          <a:p>
             <a:r>
               <a:rPr lang="en-US" sz="2400" dirty="0" err="1"/>
               <a:t>start_game</a:t>
             </a:r>
             <a:r>
               <a:rPr lang="en-US" sz="2400" dirty="0"/>
-              <a:t>,() game(), win(),  losing(),  terminate()</a:t>
-            </a:r>
-            <a:endParaRPr lang="ru-RU" sz="2400" dirty="0"/>
+              <a:t>() – </a:t>
+            </a:r>
+            <a:r>
+              <a:rPr lang="ru-RU" sz="2400" dirty="0"/>
+              <a:t>окно начала игры</a:t>
+            </a:r>
+          </a:p>
+          <a:p>
+            <a:r>
+              <a:rPr lang="en-US" sz="2400" dirty="0"/>
+              <a:t>game() – </a:t>
+            </a:r>
+            <a:r>
+              <a:rPr lang="ru-RU" sz="2400" dirty="0"/>
+              <a:t>основной процесс игры</a:t>
+            </a:r>
+          </a:p>
+          <a:p>
+            <a:r>
+              <a:rPr lang="en-US" sz="2400" dirty="0"/>
+              <a:t>win() – </a:t>
+            </a:r>
+            <a:r>
+              <a:rPr lang="ru-RU" sz="2400" dirty="0"/>
+              <a:t>проверка на победу</a:t>
+            </a:r>
+          </a:p>
+          <a:p>
+            <a:r>
+              <a:rPr lang="en-US" sz="2400" dirty="0"/>
+              <a:t>losing() – </a:t>
+            </a:r>
+            <a:r>
+              <a:rPr lang="ru-RU" sz="2400" dirty="0"/>
+              <a:t>окно при проигрыше</a:t>
+            </a:r>
+          </a:p>
+          <a:p>
+            <a:r>
+              <a:rPr lang="en-US" sz="2400" dirty="0"/>
+              <a:t>terminate() – </a:t>
+            </a:r>
+            <a:r>
+              <a:rPr lang="ru-RU" sz="2400" dirty="0"/>
+              <a:t>выход из игры</a:t>
+            </a:r>
+          </a:p>
+          <a:p>
+            <a:r>
+              <a:rPr lang="en-US" sz="2400" dirty="0" err="1"/>
+              <a:t>load_image</a:t>
+            </a:r>
+            <a:r>
+              <a:rPr lang="en-US" sz="2400" dirty="0"/>
+              <a:t>() –</a:t>
+            </a:r>
+            <a:r>
+              <a:rPr lang="ru-RU" sz="2400" dirty="0"/>
+              <a:t> загрузка изображений</a:t>
+            </a:r>
           </a:p>
         </p:txBody>
       </p:sp>
@@ -3441,6 +3576,119 @@
     <p:extLst>
       <p:ext uri="{BB962C8B-B14F-4D97-AF65-F5344CB8AC3E}">
         <p14:creationId xmlns:p14="http://schemas.microsoft.com/office/powerpoint/2010/main" val="3442116396"/>
+      </p:ext>
+    </p:extLst>
+  </p:cSld>
+  <p:clrMapOvr>
+    <a:masterClrMapping/>
+  </p:clrMapOvr>
+</p:sld>
+</file>
+
+<file path=ppt/slides/slide4.xml><?xml version="1.0" encoding="utf-8"?>
+<p:sld xmlns:a="http://schemas.openxmlformats.org/drawingml/2006/main" xmlns:r="http://schemas.openxmlformats.org/officeDocument/2006/relationships" xmlns:p="http://schemas.openxmlformats.org/presentationml/2006/main">
+  <p:cSld>
+    <p:spTree>
+      <p:nvGrpSpPr>
+        <p:cNvPr id="1" name=""/>
+        <p:cNvGrpSpPr/>
+        <p:nvPr/>
+      </p:nvGrpSpPr>
+      <p:grpSpPr>
+        <a:xfrm>
+          <a:off x="0" y="0"/>
+          <a:ext cx="0" cy="0"/>
+          <a:chOff x="0" y="0"/>
+          <a:chExt cx="0" cy="0"/>
+        </a:xfrm>
+      </p:grpSpPr>
+      <p:sp>
+        <p:nvSpPr>
+          <p:cNvPr id="2" name="Заголовок 1">
+            <a:extLst>
+              <a:ext uri="{FF2B5EF4-FFF2-40B4-BE49-F238E27FC236}">
+                <a16:creationId xmlns:a16="http://schemas.microsoft.com/office/drawing/2014/main" id="{69D9A5DE-0A1C-1D47-B361-5CA638076A5C}"/>
+              </a:ext>
+            </a:extLst>
+          </p:cNvPr>
+          <p:cNvSpPr>
+            <a:spLocks noGrp="1"/>
+          </p:cNvSpPr>
+          <p:nvPr>
+            <p:ph type="title"/>
+          </p:nvPr>
+        </p:nvSpPr>
+        <p:spPr/>
+        <p:txBody>
+          <a:bodyPr/>
+          <a:lstStyle/>
+          <a:p>
+            <a:endParaRPr lang="ru-RU" dirty="0"/>
+          </a:p>
+        </p:txBody>
+      </p:sp>
+      <p:pic>
+        <p:nvPicPr>
+          <p:cNvPr id="6" name="Объект 5">
+            <a:extLst>
+              <a:ext uri="{FF2B5EF4-FFF2-40B4-BE49-F238E27FC236}">
+                <a16:creationId xmlns:a16="http://schemas.microsoft.com/office/drawing/2014/main" id="{A93BF844-9090-8447-86EC-09F8C716709F}"/>
+              </a:ext>
+            </a:extLst>
+          </p:cNvPr>
+          <p:cNvPicPr>
+            <a:picLocks noGrp="1" noChangeAspect="1"/>
+          </p:cNvPicPr>
+          <p:nvPr>
+            <p:ph idx="1"/>
+          </p:nvPr>
+        </p:nvPicPr>
+        <p:blipFill>
+          <a:blip r:embed="rId2"/>
+          <a:stretch>
+            <a:fillRect/>
+          </a:stretch>
+        </p:blipFill>
+        <p:spPr>
+          <a:xfrm>
+            <a:off x="623143" y="217520"/>
+            <a:ext cx="5472857" cy="5797518"/>
+          </a:xfrm>
+        </p:spPr>
+      </p:pic>
+      <p:pic>
+        <p:nvPicPr>
+          <p:cNvPr id="12" name="Рисунок 11">
+            <a:extLst>
+              <a:ext uri="{FF2B5EF4-FFF2-40B4-BE49-F238E27FC236}">
+                <a16:creationId xmlns:a16="http://schemas.microsoft.com/office/drawing/2014/main" id="{9281BB97-0947-1542-8921-893B6227B0D2}"/>
+              </a:ext>
+            </a:extLst>
+          </p:cNvPr>
+          <p:cNvPicPr>
+            <a:picLocks noChangeAspect="1"/>
+          </p:cNvPicPr>
+          <p:nvPr/>
+        </p:nvPicPr>
+        <p:blipFill rotWithShape="1">
+          <a:blip r:embed="rId3"/>
+          <a:srcRect l="8004" t="5627" r="7818" b="9951"/>
+          <a:stretch/>
+        </p:blipFill>
+        <p:spPr>
+          <a:xfrm>
+            <a:off x="6096000" y="217520"/>
+            <a:ext cx="5528624" cy="5797518"/>
+          </a:xfrm>
+          <a:prstGeom prst="rect">
+            <a:avLst/>
+          </a:prstGeom>
+        </p:spPr>
+      </p:pic>
+    </p:spTree>
+    <p:extLst>
+      <p:ext uri="{BB962C8B-B14F-4D97-AF65-F5344CB8AC3E}">
+        <p14:creationId xmlns:p14="http://schemas.microsoft.com/office/powerpoint/2010/main" val="1964862128"/>
       </p:ext>
     </p:extLst>
   </p:cSld>
